--- a/Presentaion on Aggression.pptx
+++ b/Presentaion on Aggression.pptx
@@ -19,9 +19,11 @@
     <p:sldId id="270" r:id="rId13"/>
     <p:sldId id="271" r:id="rId14"/>
     <p:sldId id="273" r:id="rId15"/>
-    <p:sldId id="263" r:id="rId16"/>
-    <p:sldId id="274" r:id="rId17"/>
-    <p:sldId id="272" r:id="rId18"/>
+    <p:sldId id="275" r:id="rId16"/>
+    <p:sldId id="276" r:id="rId17"/>
+    <p:sldId id="263" r:id="rId18"/>
+    <p:sldId id="274" r:id="rId19"/>
+    <p:sldId id="272" r:id="rId20"/>
   </p:sldIdLst>
   <p:sldSz cx="12192000" cy="6858000"/>
   <p:notesSz cx="6858000" cy="9144000"/>
@@ -5802,79 +5804,25 @@
         </p:nvSpPr>
         <p:spPr>
           <a:xfrm>
-            <a:off x="1861751" y="461318"/>
+            <a:off x="2504302" y="3171566"/>
             <a:ext cx="7197726" cy="703417"/>
           </a:xfrm>
         </p:spPr>
         <p:txBody>
           <a:bodyPr>
-            <a:normAutofit/>
+            <a:noAutofit/>
           </a:bodyPr>
           <a:lstStyle/>
           <a:p>
             <a:pPr algn="ctr"/>
             <a:r>
-              <a:rPr lang="en-US" sz="2400" b="1" i="1" u="sng" dirty="0" smtClean="0"/>
+              <a:rPr lang="en-US" sz="3600" b="1" i="1" u="sng" dirty="0" smtClean="0"/>
               <a:t>A PRESENTATION ON AGGRESSION DETECTION</a:t>
             </a:r>
-            <a:endParaRPr lang="en-US" sz="2400" b="1" i="1" u="sng" dirty="0"/>
-          </a:p>
-        </p:txBody>
-      </p:sp>
-      <p:sp>
-        <p:nvSpPr>
-          <p:cNvPr id="5" name="Subtitle 4"/>
-          <p:cNvSpPr>
-            <a:spLocks noGrp="1"/>
-          </p:cNvSpPr>
-          <p:nvPr>
-            <p:ph type="subTitle" idx="1"/>
-          </p:nvPr>
-        </p:nvSpPr>
-        <p:spPr>
-          <a:xfrm>
-            <a:off x="3015047" y="4204500"/>
-            <a:ext cx="7197726" cy="1405467"/>
-          </a:xfrm>
-        </p:spPr>
-        <p:txBody>
-          <a:bodyPr/>
-          <a:lstStyle/>
-          <a:p>
-            <a:endParaRPr lang="en-US"/>
-          </a:p>
-        </p:txBody>
-      </p:sp>
-      <p:pic>
-        <p:nvPicPr>
-          <p:cNvPr id="6" name="Picture 5"/>
-          <p:cNvPicPr>
-            <a:picLocks noChangeAspect="1"/>
-          </p:cNvPicPr>
-          <p:nvPr/>
-        </p:nvPicPr>
-        <p:blipFill>
-          <a:blip r:embed="rId2">
-            <a:extLst>
-              <a:ext uri="{28A0092B-C50C-407E-A947-70E740481C1C}">
-                <a14:useLocalDpi xmlns:a14="http://schemas.microsoft.com/office/drawing/2010/main" val="0"/>
-              </a:ext>
-            </a:extLst>
-          </a:blip>
-          <a:stretch>
-            <a:fillRect/>
-          </a:stretch>
-        </p:blipFill>
-        <p:spPr>
-          <a:xfrm>
-            <a:off x="3015047" y="1746421"/>
-            <a:ext cx="5486855" cy="4299997"/>
-          </a:xfrm>
-          <a:prstGeom prst="rect">
-            <a:avLst/>
-          </a:prstGeom>
-        </p:spPr>
-      </p:pic>
+            <a:endParaRPr lang="en-US" sz="3600" b="1" i="1" u="sng" dirty="0"/>
+          </a:p>
+        </p:txBody>
+      </p:sp>
     </p:spTree>
     <p:extLst>
       <p:ext uri="{BB962C8B-B14F-4D97-AF65-F5344CB8AC3E}">
@@ -6411,7 +6359,12 @@
             <p:ph type="title"/>
           </p:nvPr>
         </p:nvSpPr>
-        <p:spPr/>
+        <p:spPr>
+          <a:xfrm>
+            <a:off x="537520" y="0"/>
+            <a:ext cx="10131425" cy="1456267"/>
+          </a:xfrm>
+        </p:spPr>
         <p:txBody>
           <a:bodyPr/>
           <a:lstStyle/>
@@ -6450,8 +6403,8 @@
         </p:blipFill>
         <p:spPr bwMode="auto">
           <a:xfrm>
-            <a:off x="2932670" y="1802255"/>
-            <a:ext cx="5824151" cy="4886869"/>
+            <a:off x="3468130" y="1349174"/>
+            <a:ext cx="4407244" cy="5191669"/>
           </a:xfrm>
           <a:prstGeom prst="rect">
             <a:avLst/>
@@ -6509,7 +6462,12 @@
             <p:ph type="title"/>
           </p:nvPr>
         </p:nvSpPr>
-        <p:spPr/>
+        <p:spPr>
+          <a:xfrm>
+            <a:off x="1023553" y="0"/>
+            <a:ext cx="10131425" cy="1456267"/>
+          </a:xfrm>
+        </p:spPr>
         <p:txBody>
           <a:bodyPr/>
           <a:lstStyle/>
@@ -6548,8 +6506,8 @@
         </p:blipFill>
         <p:spPr bwMode="auto">
           <a:xfrm>
-            <a:off x="2117124" y="1925824"/>
-            <a:ext cx="7488195" cy="4326695"/>
+            <a:off x="1845276" y="1612786"/>
+            <a:ext cx="8015415" cy="4738587"/>
           </a:xfrm>
           <a:prstGeom prst="rect">
             <a:avLst/>
@@ -6607,7 +6565,12 @@
             <p:ph type="title"/>
           </p:nvPr>
         </p:nvSpPr>
-        <p:spPr/>
+        <p:spPr>
+          <a:xfrm>
+            <a:off x="783708" y="0"/>
+            <a:ext cx="10131425" cy="1456267"/>
+          </a:xfrm>
+        </p:spPr>
         <p:txBody>
           <a:bodyPr/>
           <a:lstStyle/>
@@ -6645,8 +6608,8 @@
         </p:blipFill>
         <p:spPr>
           <a:xfrm>
-            <a:off x="3464560" y="1713472"/>
-            <a:ext cx="4769723" cy="4824610"/>
+            <a:off x="3535127" y="1332700"/>
+            <a:ext cx="4592830" cy="5199905"/>
           </a:xfrm>
         </p:spPr>
       </p:pic>
@@ -6697,141 +6660,180 @@
             <p:ph type="title"/>
           </p:nvPr>
         </p:nvSpPr>
-        <p:spPr/>
-        <p:txBody>
-          <a:bodyPr/>
-          <a:lstStyle/>
-          <a:p>
-            <a:pPr algn="ctr"/>
-            <a:r>
-              <a:rPr lang="en-US" b="1" i="1" u="sng" dirty="0" smtClean="0"/>
-              <a:t>Work till date</a:t>
-            </a:r>
-            <a:endParaRPr lang="en-US" b="1" i="1" u="sng" dirty="0"/>
-          </a:p>
-        </p:txBody>
-      </p:sp>
-      <p:sp>
-        <p:nvSpPr>
-          <p:cNvPr id="3" name="Content Placeholder 2"/>
-          <p:cNvSpPr>
-            <a:spLocks noGrp="1"/>
-          </p:cNvSpPr>
-          <p:nvPr>
-            <p:ph idx="1"/>
-          </p:nvPr>
-        </p:nvSpPr>
         <p:spPr>
           <a:xfrm>
-            <a:off x="685801" y="2380965"/>
-            <a:ext cx="10131425" cy="4477035"/>
+            <a:off x="426917" y="171456"/>
+            <a:ext cx="10131425" cy="1456267"/>
           </a:xfrm>
         </p:spPr>
         <p:txBody>
-          <a:bodyPr/>
+          <a:bodyPr>
+            <a:normAutofit/>
+          </a:bodyPr>
           <a:lstStyle/>
           <a:p>
-            <a:pPr>
-              <a:buFont typeface="Wingdings" panose="05000000000000000000" pitchFamily="2" charset="2"/>
-              <a:buChar char="Ø"/>
-            </a:pPr>
-            <a:r>
-              <a:rPr lang="en-US" dirty="0" smtClean="0"/>
-              <a:t>We have worked to retrieve the values such as Heart rate, Blood Pressure, Readings from accelerometer.</a:t>
-            </a:r>
-          </a:p>
-          <a:p>
-            <a:pPr>
-              <a:buFont typeface="Wingdings" panose="05000000000000000000" pitchFamily="2" charset="2"/>
-              <a:buChar char="Ø"/>
-            </a:pPr>
-            <a:r>
-              <a:rPr lang="en-US" dirty="0" smtClean="0"/>
-              <a:t>We were successful in passing the values from the android wear to the computer resource.</a:t>
-            </a:r>
-          </a:p>
-          <a:p>
-            <a:pPr>
-              <a:buFont typeface="Wingdings" panose="05000000000000000000" pitchFamily="2" charset="2"/>
-              <a:buChar char="Ø"/>
-            </a:pPr>
-            <a:r>
-              <a:rPr lang="en-US" dirty="0" smtClean="0"/>
-              <a:t>The next part of work will be :</a:t>
-            </a:r>
-          </a:p>
-          <a:p>
-            <a:pPr>
-              <a:buFont typeface="Wingdings" panose="05000000000000000000" pitchFamily="2" charset="2"/>
-              <a:buChar char="Ø"/>
-            </a:pPr>
-            <a:r>
-              <a:rPr lang="en-US" dirty="0" smtClean="0"/>
-              <a:t>Developing the UI.</a:t>
-            </a:r>
-          </a:p>
-          <a:p>
-            <a:pPr>
-              <a:buFont typeface="Wingdings" panose="05000000000000000000" pitchFamily="2" charset="2"/>
-              <a:buChar char="Ø"/>
-            </a:pPr>
-            <a:r>
-              <a:rPr lang="en-US" dirty="0" smtClean="0"/>
-              <a:t>Compare the baseline data with</a:t>
-            </a:r>
-          </a:p>
-          <a:p>
-            <a:pPr>
-              <a:buFont typeface="Wingdings" panose="05000000000000000000" pitchFamily="2" charset="2"/>
-              <a:buChar char="Ø"/>
-            </a:pPr>
-            <a:r>
-              <a:rPr lang="en-US" dirty="0" smtClean="0"/>
-              <a:t>Design the database.</a:t>
-            </a:r>
-          </a:p>
-          <a:p>
-            <a:pPr>
-              <a:buFont typeface="Wingdings" panose="05000000000000000000" pitchFamily="2" charset="2"/>
-              <a:buChar char="Ø"/>
-            </a:pPr>
-            <a:r>
-              <a:rPr lang="en-US" dirty="0" smtClean="0"/>
-              <a:t>Setting up the dynamic database for the patients.</a:t>
-            </a:r>
-          </a:p>
-          <a:p>
-            <a:pPr>
-              <a:buFont typeface="Wingdings" panose="05000000000000000000" pitchFamily="2" charset="2"/>
-              <a:buChar char="Ø"/>
-            </a:pPr>
-            <a:endParaRPr lang="en-US" dirty="0" smtClean="0"/>
-          </a:p>
-          <a:p>
-            <a:pPr>
-              <a:buFont typeface="Wingdings" panose="05000000000000000000" pitchFamily="2" charset="2"/>
-              <a:buChar char="Ø"/>
-            </a:pPr>
-            <a:endParaRPr lang="en-US" dirty="0" smtClean="0"/>
-          </a:p>
-          <a:p>
-            <a:pPr marL="0" indent="0">
-              <a:buNone/>
-            </a:pPr>
-            <a:endParaRPr lang="en-US" dirty="0"/>
-          </a:p>
-          <a:p>
-            <a:pPr marL="0" indent="0">
-              <a:buNone/>
-            </a:pPr>
-            <a:endParaRPr lang="en-US" dirty="0" smtClean="0"/>
-          </a:p>
-        </p:txBody>
-      </p:sp>
+            <a:pPr algn="ctr"/>
+            <a:r>
+              <a:rPr lang="en-US" sz="3200" b="1" i="1" u="sng" dirty="0" smtClean="0"/>
+              <a:t>PROGRAMMED ACCELEROMETER READINGS</a:t>
+            </a:r>
+            <a:endParaRPr lang="en-US" sz="3200" b="1" i="1" u="sng" dirty="0"/>
+          </a:p>
+        </p:txBody>
+      </p:sp>
+      <p:pic>
+        <p:nvPicPr>
+          <p:cNvPr id="4" name="Content Placeholder 3"/>
+          <p:cNvPicPr>
+            <a:picLocks noGrp="1" noChangeAspect="1"/>
+          </p:cNvPicPr>
+          <p:nvPr>
+            <p:ph idx="1"/>
+          </p:nvPr>
+        </p:nvPicPr>
+        <p:blipFill>
+          <a:blip r:embed="rId2">
+            <a:extLst>
+              <a:ext uri="{28A0092B-C50C-407E-A947-70E740481C1C}">
+                <a14:useLocalDpi xmlns:a14="http://schemas.microsoft.com/office/drawing/2010/main" val="0"/>
+              </a:ext>
+            </a:extLst>
+          </a:blip>
+          <a:stretch>
+            <a:fillRect/>
+          </a:stretch>
+        </p:blipFill>
+        <p:spPr>
+          <a:xfrm>
+            <a:off x="669022" y="1627723"/>
+            <a:ext cx="2452815" cy="2120493"/>
+          </a:xfrm>
+        </p:spPr>
+      </p:pic>
+      <p:pic>
+        <p:nvPicPr>
+          <p:cNvPr id="6" name="Picture 5"/>
+          <p:cNvPicPr>
+            <a:picLocks noChangeAspect="1"/>
+          </p:cNvPicPr>
+          <p:nvPr/>
+        </p:nvPicPr>
+        <p:blipFill>
+          <a:blip r:embed="rId3">
+            <a:extLst>
+              <a:ext uri="{28A0092B-C50C-407E-A947-70E740481C1C}">
+                <a14:useLocalDpi xmlns:a14="http://schemas.microsoft.com/office/drawing/2010/main" val="0"/>
+              </a:ext>
+            </a:extLst>
+          </a:blip>
+          <a:stretch>
+            <a:fillRect/>
+          </a:stretch>
+        </p:blipFill>
+        <p:spPr>
+          <a:xfrm>
+            <a:off x="685801" y="4359716"/>
+            <a:ext cx="2469594" cy="2229495"/>
+          </a:xfrm>
+          <a:prstGeom prst="rect">
+            <a:avLst/>
+          </a:prstGeom>
+        </p:spPr>
+      </p:pic>
+      <p:pic>
+        <p:nvPicPr>
+          <p:cNvPr id="7" name="Picture 6"/>
+          <p:cNvPicPr>
+            <a:picLocks noChangeAspect="1"/>
+          </p:cNvPicPr>
+          <p:nvPr/>
+        </p:nvPicPr>
+        <p:blipFill>
+          <a:blip r:embed="rId4">
+            <a:extLst>
+              <a:ext uri="{28A0092B-C50C-407E-A947-70E740481C1C}">
+                <a14:useLocalDpi xmlns:a14="http://schemas.microsoft.com/office/drawing/2010/main" val="0"/>
+              </a:ext>
+            </a:extLst>
+          </a:blip>
+          <a:stretch>
+            <a:fillRect/>
+          </a:stretch>
+        </p:blipFill>
+        <p:spPr>
+          <a:xfrm>
+            <a:off x="8031892" y="4308388"/>
+            <a:ext cx="2526450" cy="2280823"/>
+          </a:xfrm>
+          <a:prstGeom prst="rect">
+            <a:avLst/>
+          </a:prstGeom>
+        </p:spPr>
+      </p:pic>
+      <p:pic>
+        <p:nvPicPr>
+          <p:cNvPr id="8" name="Picture 7"/>
+          <p:cNvPicPr>
+            <a:picLocks noChangeAspect="1"/>
+          </p:cNvPicPr>
+          <p:nvPr/>
+        </p:nvPicPr>
+        <p:blipFill>
+          <a:blip r:embed="rId5">
+            <a:extLst>
+              <a:ext uri="{28A0092B-C50C-407E-A947-70E740481C1C}">
+                <a14:useLocalDpi xmlns:a14="http://schemas.microsoft.com/office/drawing/2010/main" val="0"/>
+              </a:ext>
+            </a:extLst>
+          </a:blip>
+          <a:stretch>
+            <a:fillRect/>
+          </a:stretch>
+        </p:blipFill>
+        <p:spPr>
+          <a:xfrm>
+            <a:off x="4222941" y="2863399"/>
+            <a:ext cx="2741404" cy="2120493"/>
+          </a:xfrm>
+          <a:prstGeom prst="rect">
+            <a:avLst/>
+          </a:prstGeom>
+        </p:spPr>
+      </p:pic>
+      <p:pic>
+        <p:nvPicPr>
+          <p:cNvPr id="10" name="Picture 9"/>
+          <p:cNvPicPr>
+            <a:picLocks noChangeAspect="1"/>
+          </p:cNvPicPr>
+          <p:nvPr/>
+        </p:nvPicPr>
+        <p:blipFill>
+          <a:blip r:embed="rId6">
+            <a:extLst>
+              <a:ext uri="{28A0092B-C50C-407E-A947-70E740481C1C}">
+                <a14:useLocalDpi xmlns:a14="http://schemas.microsoft.com/office/drawing/2010/main" val="0"/>
+              </a:ext>
+            </a:extLst>
+          </a:blip>
+          <a:stretch>
+            <a:fillRect/>
+          </a:stretch>
+        </p:blipFill>
+        <p:spPr>
+          <a:xfrm>
+            <a:off x="8031892" y="1627723"/>
+            <a:ext cx="2445040" cy="2120493"/>
+          </a:xfrm>
+          <a:prstGeom prst="rect">
+            <a:avLst/>
+          </a:prstGeom>
+        </p:spPr>
+      </p:pic>
     </p:spTree>
     <p:extLst>
       <p:ext uri="{BB962C8B-B14F-4D97-AF65-F5344CB8AC3E}">
-        <p14:creationId xmlns:p14="http://schemas.microsoft.com/office/powerpoint/2010/main" val="1512741485"/>
+        <p14:creationId xmlns:p14="http://schemas.microsoft.com/office/powerpoint/2010/main" val="3157491552"/>
       </p:ext>
     </p:extLst>
   </p:cSld>
@@ -6877,8 +6879,8 @@
         </p:nvSpPr>
         <p:spPr>
           <a:xfrm>
-            <a:off x="784654" y="685800"/>
-            <a:ext cx="10131425" cy="2106827"/>
+            <a:off x="727746" y="0"/>
+            <a:ext cx="10131425" cy="1456267"/>
           </a:xfrm>
         </p:spPr>
         <p:txBody>
@@ -6887,231 +6889,120 @@
           <a:p>
             <a:pPr algn="ctr"/>
             <a:r>
-              <a:rPr lang="en-US" b="1" u="sng" dirty="0" smtClean="0"/>
-              <a:t>CITATIONS</a:t>
-            </a:r>
-            <a:r>
-              <a:rPr lang="en-US" dirty="0"/>
-              <a:t/>
-            </a:r>
-            <a:br>
-              <a:rPr lang="en-US" dirty="0"/>
-            </a:br>
-            <a:endParaRPr lang="en-US" b="1" dirty="0"/>
-          </a:p>
-        </p:txBody>
-      </p:sp>
-      <p:sp>
-        <p:nvSpPr>
-          <p:cNvPr id="3" name="Content Placeholder 2"/>
-          <p:cNvSpPr>
-            <a:spLocks noGrp="1"/>
-          </p:cNvSpPr>
+              <a:rPr lang="en-US" b="1" i="1" u="sng" dirty="0"/>
+              <a:t>PROGRAMMED </a:t>
+            </a:r>
+            <a:r>
+              <a:rPr lang="en-US" b="1" i="1" u="sng" dirty="0" smtClean="0"/>
+              <a:t>speech-to-text READINGS</a:t>
+            </a:r>
+            <a:endParaRPr lang="en-US" dirty="0"/>
+          </a:p>
+        </p:txBody>
+      </p:sp>
+      <p:pic>
+        <p:nvPicPr>
+          <p:cNvPr id="4" name="Content Placeholder 3"/>
+          <p:cNvPicPr>
+            <a:picLocks noGrp="1" noChangeAspect="1"/>
+          </p:cNvPicPr>
           <p:nvPr>
             <p:ph idx="1"/>
           </p:nvPr>
-        </p:nvSpPr>
-        <p:spPr/>
-        <p:txBody>
-          <a:bodyPr>
-            <a:normAutofit fontScale="70000" lnSpcReduction="20000"/>
-          </a:bodyPr>
+        </p:nvPicPr>
+        <p:blipFill>
+          <a:blip r:embed="rId2">
+            <a:extLst>
+              <a:ext uri="{28A0092B-C50C-407E-A947-70E740481C1C}">
+                <a14:useLocalDpi xmlns:a14="http://schemas.microsoft.com/office/drawing/2010/main" val="0"/>
+              </a:ext>
+            </a:extLst>
+          </a:blip>
+          <a:stretch>
+            <a:fillRect/>
+          </a:stretch>
+        </p:blipFill>
+        <p:spPr>
+          <a:xfrm>
+            <a:off x="7504294" y="1746829"/>
+            <a:ext cx="2613434" cy="4677947"/>
+          </a:xfrm>
+        </p:spPr>
+      </p:pic>
+      <p:pic>
+        <p:nvPicPr>
+          <p:cNvPr id="5" name="Picture 4"/>
+          <p:cNvPicPr>
+            <a:picLocks noChangeAspect="1"/>
+          </p:cNvPicPr>
+          <p:nvPr/>
+        </p:nvPicPr>
+        <p:blipFill>
+          <a:blip r:embed="rId3">
+            <a:extLst>
+              <a:ext uri="{28A0092B-C50C-407E-A947-70E740481C1C}">
+                <a14:useLocalDpi xmlns:a14="http://schemas.microsoft.com/office/drawing/2010/main" val="0"/>
+              </a:ext>
+            </a:extLst>
+          </a:blip>
+          <a:stretch>
+            <a:fillRect/>
+          </a:stretch>
+        </p:blipFill>
+        <p:spPr>
+          <a:xfrm>
+            <a:off x="1529366" y="1746829"/>
+            <a:ext cx="2381665" cy="4532642"/>
+          </a:xfrm>
+          <a:prstGeom prst="rect">
+            <a:avLst/>
+          </a:prstGeom>
+        </p:spPr>
+      </p:pic>
+      <p:sp>
+        <p:nvSpPr>
+          <p:cNvPr id="6" name="Right Arrow 5"/>
+          <p:cNvSpPr/>
+          <p:nvPr/>
+        </p:nvSpPr>
+        <p:spPr>
+          <a:xfrm>
+            <a:off x="4341341" y="3649362"/>
+            <a:ext cx="2487827" cy="584887"/>
+          </a:xfrm>
+          <a:prstGeom prst="rightArrow">
+            <a:avLst/>
+          </a:prstGeom>
+        </p:spPr>
+        <p:style>
+          <a:lnRef idx="2">
+            <a:schemeClr val="accent1">
+              <a:shade val="50000"/>
+            </a:schemeClr>
+          </a:lnRef>
+          <a:fillRef idx="1">
+            <a:schemeClr val="accent1"/>
+          </a:fillRef>
+          <a:effectRef idx="0">
+            <a:schemeClr val="accent1"/>
+          </a:effectRef>
+          <a:fontRef idx="minor">
+            <a:schemeClr val="lt1"/>
+          </a:fontRef>
+        </p:style>
+        <p:txBody>
+          <a:bodyPr rtlCol="0" anchor="ctr"/>
           <a:lstStyle/>
           <a:p>
-            <a:pPr lvl="0">
-              <a:buFont typeface="Wingdings" panose="05000000000000000000" pitchFamily="2" charset="2"/>
-              <a:buChar char="Ø"/>
-            </a:pPr>
-            <a:r>
-              <a:rPr lang="en-US" dirty="0" smtClean="0"/>
-              <a:t>“</a:t>
-            </a:r>
-            <a:r>
-              <a:rPr lang="en-US" dirty="0"/>
-              <a:t>When Aggression follows dementia”</a:t>
-            </a:r>
-          </a:p>
-          <a:p>
-            <a:pPr marL="0" lvl="0" indent="0">
-              <a:buNone/>
-            </a:pPr>
-            <a:r>
-              <a:rPr lang="en-US" dirty="0"/>
-              <a:t>A New York Times Report By Paula Span</a:t>
-            </a:r>
-          </a:p>
-          <a:p>
-            <a:pPr lvl="0">
-              <a:buFont typeface="Wingdings" panose="05000000000000000000" pitchFamily="2" charset="2"/>
-              <a:buChar char="Ø"/>
-            </a:pPr>
-            <a:r>
-              <a:rPr lang="en-US" dirty="0"/>
-              <a:t> “The Application of Aggressive Space Mapping Algorithm”</a:t>
-            </a:r>
-          </a:p>
-          <a:p>
-            <a:pPr marL="0" lvl="0" indent="0">
-              <a:buNone/>
-            </a:pPr>
-            <a:r>
-              <a:rPr lang="en-US" dirty="0"/>
-              <a:t>A combined report by Feng Cheng, Xi Deng, </a:t>
-            </a:r>
-            <a:r>
-              <a:rPr lang="en-US" dirty="0" err="1"/>
-              <a:t>Jingping</a:t>
-            </a:r>
-            <a:r>
-              <a:rPr lang="en-US" dirty="0"/>
-              <a:t> Song and </a:t>
-            </a:r>
-            <a:r>
-              <a:rPr lang="en-US" dirty="0" err="1"/>
-              <a:t>Yunlin</a:t>
-            </a:r>
-            <a:r>
-              <a:rPr lang="en-US" dirty="0"/>
-              <a:t> </a:t>
-            </a:r>
-            <a:r>
-              <a:rPr lang="en-US" dirty="0" err="1"/>
-              <a:t>Yiu</a:t>
-            </a:r>
-            <a:r>
-              <a:rPr lang="en-US" dirty="0"/>
-              <a:t>, Institute of Electromagnetics, Southwest </a:t>
-            </a:r>
-            <a:r>
-              <a:rPr lang="en-US" dirty="0" err="1"/>
-              <a:t>Jiatong</a:t>
-            </a:r>
-            <a:r>
-              <a:rPr lang="en-US" dirty="0"/>
-              <a:t> University, Chengdu, China.</a:t>
-            </a:r>
-          </a:p>
-          <a:p>
-            <a:pPr lvl="0">
-              <a:buFont typeface="Wingdings" panose="05000000000000000000" pitchFamily="2" charset="2"/>
-              <a:buChar char="Ø"/>
-            </a:pPr>
-            <a:r>
-              <a:rPr lang="en-US" dirty="0"/>
-              <a:t>“Calm hearts, Bad minds”</a:t>
-            </a:r>
-          </a:p>
-          <a:p>
-            <a:pPr marL="0" lvl="0" indent="0">
-              <a:buNone/>
-            </a:pPr>
-            <a:r>
-              <a:rPr lang="en-US" dirty="0"/>
-              <a:t>By David Kohn</a:t>
-            </a:r>
-          </a:p>
-          <a:p>
-            <a:pPr lvl="0">
-              <a:buFont typeface="Wingdings" panose="05000000000000000000" pitchFamily="2" charset="2"/>
-              <a:buChar char="Ø"/>
-            </a:pPr>
-            <a:r>
-              <a:rPr lang="en-US" dirty="0"/>
-              <a:t>“Neuropsychiatry of aggression” </a:t>
-            </a:r>
-          </a:p>
-          <a:p>
-            <a:pPr marL="0" lvl="0" indent="0">
-              <a:buNone/>
-            </a:pPr>
-            <a:r>
-              <a:rPr lang="en-US" dirty="0"/>
-              <a:t>A combined publication of Professor </a:t>
-            </a:r>
-            <a:r>
-              <a:rPr lang="en-US" dirty="0" err="1"/>
-              <a:t>Scott.D</a:t>
-            </a:r>
-            <a:r>
-              <a:rPr lang="en-US" dirty="0"/>
-              <a:t> Lane, Professor Kimberly. L </a:t>
-            </a:r>
-            <a:r>
-              <a:rPr lang="en-US" dirty="0" err="1"/>
-              <a:t>Kjome</a:t>
-            </a:r>
-            <a:r>
-              <a:rPr lang="en-US" dirty="0"/>
-              <a:t> and Professor </a:t>
-            </a:r>
-            <a:r>
-              <a:rPr lang="en-US" dirty="0" err="1"/>
-              <a:t>F.Gerard</a:t>
-            </a:r>
-            <a:r>
-              <a:rPr lang="en-US" dirty="0"/>
-              <a:t> Moeller</a:t>
-            </a:r>
-          </a:p>
-          <a:p>
-            <a:pPr lvl="0">
-              <a:buFont typeface="Wingdings" panose="05000000000000000000" pitchFamily="2" charset="2"/>
-              <a:buChar char="Ø"/>
-            </a:pPr>
-            <a:r>
-              <a:rPr lang="en-US" dirty="0"/>
-              <a:t>“Facial Action Coding System”</a:t>
-            </a:r>
-          </a:p>
-          <a:p>
-            <a:pPr marL="0" lvl="0" indent="0">
-              <a:buNone/>
-            </a:pPr>
-            <a:r>
-              <a:rPr lang="en-US" dirty="0"/>
-              <a:t>A publication by the Paul Ekman Group.</a:t>
-            </a:r>
-          </a:p>
-          <a:p>
-            <a:pPr lvl="0">
-              <a:buFont typeface="Wingdings" panose="05000000000000000000" pitchFamily="2" charset="2"/>
-              <a:buChar char="Ø"/>
-            </a:pPr>
-            <a:r>
-              <a:rPr lang="en-US" dirty="0"/>
-              <a:t>“Local Binary Patterns”</a:t>
-            </a:r>
-          </a:p>
-          <a:p>
-            <a:pPr lvl="0"/>
-            <a:r>
-              <a:rPr lang="en-US" dirty="0"/>
-              <a:t>By </a:t>
-            </a:r>
-            <a:r>
-              <a:rPr lang="en-US" dirty="0" err="1"/>
-              <a:t>Matti</a:t>
-            </a:r>
-            <a:r>
-              <a:rPr lang="en-US" dirty="0"/>
-              <a:t> </a:t>
-            </a:r>
-            <a:r>
-              <a:rPr lang="en-US" dirty="0" err="1"/>
-              <a:t>Pietikainen</a:t>
-            </a:r>
-            <a:r>
-              <a:rPr lang="en-US" dirty="0" smtClean="0"/>
-              <a:t>.        </a:t>
-            </a:r>
-            <a:endParaRPr lang="en-US" dirty="0"/>
+            <a:pPr algn="ctr"/>
+            <a:endParaRPr lang="en-US"/>
           </a:p>
         </p:txBody>
       </p:sp>
     </p:spTree>
     <p:extLst>
       <p:ext uri="{BB962C8B-B14F-4D97-AF65-F5344CB8AC3E}">
-        <p14:creationId xmlns:p14="http://schemas.microsoft.com/office/powerpoint/2010/main" val="4059818863"/>
+        <p14:creationId xmlns:p14="http://schemas.microsoft.com/office/powerpoint/2010/main" val="2949882340"/>
       </p:ext>
     </p:extLst>
   </p:cSld>
@@ -7162,6 +7053,480 @@
           <a:p>
             <a:pPr algn="ctr"/>
             <a:r>
+              <a:rPr lang="en-US" b="1" i="1" u="sng" dirty="0" smtClean="0"/>
+              <a:t>Work till date</a:t>
+            </a:r>
+            <a:endParaRPr lang="en-US" b="1" i="1" u="sng" dirty="0"/>
+          </a:p>
+        </p:txBody>
+      </p:sp>
+      <p:sp>
+        <p:nvSpPr>
+          <p:cNvPr id="3" name="Content Placeholder 2"/>
+          <p:cNvSpPr>
+            <a:spLocks noGrp="1"/>
+          </p:cNvSpPr>
+          <p:nvPr>
+            <p:ph idx="1"/>
+          </p:nvPr>
+        </p:nvSpPr>
+        <p:spPr>
+          <a:xfrm>
+            <a:off x="685801" y="2380965"/>
+            <a:ext cx="10131425" cy="4477035"/>
+          </a:xfrm>
+        </p:spPr>
+        <p:txBody>
+          <a:bodyPr/>
+          <a:lstStyle/>
+          <a:p>
+            <a:pPr>
+              <a:buFont typeface="Wingdings" panose="05000000000000000000" pitchFamily="2" charset="2"/>
+              <a:buChar char="Ø"/>
+            </a:pPr>
+            <a:r>
+              <a:rPr lang="en-US" dirty="0" smtClean="0"/>
+              <a:t>We have worked to retrieve the values such as Heart rate, Blood Pressure, Readings from accelerometer.</a:t>
+            </a:r>
+          </a:p>
+          <a:p>
+            <a:pPr>
+              <a:buFont typeface="Wingdings" panose="05000000000000000000" pitchFamily="2" charset="2"/>
+              <a:buChar char="Ø"/>
+            </a:pPr>
+            <a:r>
+              <a:rPr lang="en-US" dirty="0" smtClean="0"/>
+              <a:t>We were successful in passing the values from the android wear to the computer resource.</a:t>
+            </a:r>
+          </a:p>
+          <a:p>
+            <a:pPr marL="0" indent="0">
+              <a:buNone/>
+            </a:pPr>
+            <a:endParaRPr lang="en-US" dirty="0" smtClean="0"/>
+          </a:p>
+          <a:p>
+            <a:pPr marL="0" indent="0">
+              <a:buNone/>
+            </a:pPr>
+            <a:r>
+              <a:rPr lang="en-US" sz="2400" u="sng" dirty="0" smtClean="0"/>
+              <a:t>The next part of work will be :</a:t>
+            </a:r>
+          </a:p>
+          <a:p>
+            <a:pPr marL="0" indent="0">
+              <a:buNone/>
+            </a:pPr>
+            <a:endParaRPr lang="en-US" sz="2400" u="sng" dirty="0" smtClean="0"/>
+          </a:p>
+          <a:p>
+            <a:pPr>
+              <a:buFont typeface="Wingdings" panose="05000000000000000000" pitchFamily="2" charset="2"/>
+              <a:buChar char="Ø"/>
+            </a:pPr>
+            <a:r>
+              <a:rPr lang="en-US" dirty="0" smtClean="0"/>
+              <a:t>Developing the UI.</a:t>
+            </a:r>
+          </a:p>
+          <a:p>
+            <a:pPr>
+              <a:buFont typeface="Wingdings" panose="05000000000000000000" pitchFamily="2" charset="2"/>
+              <a:buChar char="Ø"/>
+            </a:pPr>
+            <a:r>
+              <a:rPr lang="en-US" dirty="0" smtClean="0"/>
+              <a:t>Compare the baseline data with data read by the android wear.</a:t>
+            </a:r>
+          </a:p>
+          <a:p>
+            <a:pPr>
+              <a:buFont typeface="Wingdings" panose="05000000000000000000" pitchFamily="2" charset="2"/>
+              <a:buChar char="Ø"/>
+            </a:pPr>
+            <a:r>
+              <a:rPr lang="en-US" dirty="0" smtClean="0"/>
+              <a:t>Design the database.</a:t>
+            </a:r>
+          </a:p>
+          <a:p>
+            <a:pPr>
+              <a:buFont typeface="Wingdings" panose="05000000000000000000" pitchFamily="2" charset="2"/>
+              <a:buChar char="Ø"/>
+            </a:pPr>
+            <a:r>
+              <a:rPr lang="en-US" dirty="0" smtClean="0"/>
+              <a:t>Setting up the dynamic database for the patients.</a:t>
+            </a:r>
+          </a:p>
+          <a:p>
+            <a:pPr>
+              <a:buFont typeface="Wingdings" panose="05000000000000000000" pitchFamily="2" charset="2"/>
+              <a:buChar char="Ø"/>
+            </a:pPr>
+            <a:endParaRPr lang="en-US" dirty="0" smtClean="0"/>
+          </a:p>
+          <a:p>
+            <a:pPr>
+              <a:buFont typeface="Wingdings" panose="05000000000000000000" pitchFamily="2" charset="2"/>
+              <a:buChar char="Ø"/>
+            </a:pPr>
+            <a:endParaRPr lang="en-US" dirty="0" smtClean="0"/>
+          </a:p>
+          <a:p>
+            <a:pPr marL="0" indent="0">
+              <a:buNone/>
+            </a:pPr>
+            <a:endParaRPr lang="en-US" dirty="0"/>
+          </a:p>
+          <a:p>
+            <a:pPr marL="0" indent="0">
+              <a:buNone/>
+            </a:pPr>
+            <a:endParaRPr lang="en-US" dirty="0" smtClean="0"/>
+          </a:p>
+        </p:txBody>
+      </p:sp>
+    </p:spTree>
+    <p:extLst>
+      <p:ext uri="{BB962C8B-B14F-4D97-AF65-F5344CB8AC3E}">
+        <p14:creationId xmlns:p14="http://schemas.microsoft.com/office/powerpoint/2010/main" val="1512741485"/>
+      </p:ext>
+    </p:extLst>
+  </p:cSld>
+  <p:clrMapOvr>
+    <a:masterClrMapping/>
+  </p:clrMapOvr>
+  <p:timing>
+    <p:tnLst>
+      <p:par>
+        <p:cTn id="1" dur="indefinite" restart="never" nodeType="tmRoot"/>
+      </p:par>
+    </p:tnLst>
+  </p:timing>
+</p:sld>
+</file>
+
+<file path=ppt/slides/slide18.xml><?xml version="1.0" encoding="utf-8"?>
+<p:sld xmlns:a="http://schemas.openxmlformats.org/drawingml/2006/main" xmlns:r="http://schemas.openxmlformats.org/officeDocument/2006/relationships" xmlns:p="http://schemas.openxmlformats.org/presentationml/2006/main">
+  <p:cSld>
+    <p:spTree>
+      <p:nvGrpSpPr>
+        <p:cNvPr id="1" name=""/>
+        <p:cNvGrpSpPr/>
+        <p:nvPr/>
+      </p:nvGrpSpPr>
+      <p:grpSpPr>
+        <a:xfrm>
+          <a:off x="0" y="0"/>
+          <a:ext cx="0" cy="0"/>
+          <a:chOff x="0" y="0"/>
+          <a:chExt cx="0" cy="0"/>
+        </a:xfrm>
+      </p:grpSpPr>
+      <p:sp>
+        <p:nvSpPr>
+          <p:cNvPr id="2" name="Title 1"/>
+          <p:cNvSpPr>
+            <a:spLocks noGrp="1"/>
+          </p:cNvSpPr>
+          <p:nvPr>
+            <p:ph type="title"/>
+          </p:nvPr>
+        </p:nvSpPr>
+        <p:spPr>
+          <a:xfrm>
+            <a:off x="784654" y="685800"/>
+            <a:ext cx="10131425" cy="2106827"/>
+          </a:xfrm>
+        </p:spPr>
+        <p:txBody>
+          <a:bodyPr/>
+          <a:lstStyle/>
+          <a:p>
+            <a:pPr algn="ctr"/>
+            <a:r>
+              <a:rPr lang="en-US" b="1" u="sng" dirty="0" smtClean="0"/>
+              <a:t>CITATIONS</a:t>
+            </a:r>
+            <a:r>
+              <a:rPr lang="en-US" dirty="0"/>
+              <a:t/>
+            </a:r>
+            <a:br>
+              <a:rPr lang="en-US" dirty="0"/>
+            </a:br>
+            <a:endParaRPr lang="en-US" b="1" dirty="0"/>
+          </a:p>
+        </p:txBody>
+      </p:sp>
+      <p:sp>
+        <p:nvSpPr>
+          <p:cNvPr id="3" name="Content Placeholder 2"/>
+          <p:cNvSpPr>
+            <a:spLocks noGrp="1"/>
+          </p:cNvSpPr>
+          <p:nvPr>
+            <p:ph idx="1"/>
+          </p:nvPr>
+        </p:nvSpPr>
+        <p:spPr/>
+        <p:txBody>
+          <a:bodyPr>
+            <a:normAutofit fontScale="70000" lnSpcReduction="20000"/>
+          </a:bodyPr>
+          <a:lstStyle/>
+          <a:p>
+            <a:pPr lvl="0">
+              <a:buFont typeface="Wingdings" panose="05000000000000000000" pitchFamily="2" charset="2"/>
+              <a:buChar char="Ø"/>
+            </a:pPr>
+            <a:r>
+              <a:rPr lang="en-US" dirty="0" smtClean="0"/>
+              <a:t>“</a:t>
+            </a:r>
+            <a:r>
+              <a:rPr lang="en-US" dirty="0"/>
+              <a:t>When Aggression follows dementia”</a:t>
+            </a:r>
+          </a:p>
+          <a:p>
+            <a:pPr marL="0" lvl="0" indent="0">
+              <a:buNone/>
+            </a:pPr>
+            <a:r>
+              <a:rPr lang="en-US" dirty="0"/>
+              <a:t>A New York Times Report By Paula Span</a:t>
+            </a:r>
+          </a:p>
+          <a:p>
+            <a:pPr lvl="0">
+              <a:buFont typeface="Wingdings" panose="05000000000000000000" pitchFamily="2" charset="2"/>
+              <a:buChar char="Ø"/>
+            </a:pPr>
+            <a:r>
+              <a:rPr lang="en-US" dirty="0"/>
+              <a:t> “The Application of Aggressive Space Mapping Algorithm”</a:t>
+            </a:r>
+          </a:p>
+          <a:p>
+            <a:pPr marL="0" lvl="0" indent="0">
+              <a:buNone/>
+            </a:pPr>
+            <a:r>
+              <a:rPr lang="en-US" dirty="0"/>
+              <a:t>A combined report by Feng Cheng, Xi Deng, </a:t>
+            </a:r>
+            <a:r>
+              <a:rPr lang="en-US" dirty="0" err="1"/>
+              <a:t>Jingping</a:t>
+            </a:r>
+            <a:r>
+              <a:rPr lang="en-US" dirty="0"/>
+              <a:t> Song and </a:t>
+            </a:r>
+            <a:r>
+              <a:rPr lang="en-US" dirty="0" err="1"/>
+              <a:t>Yunlin</a:t>
+            </a:r>
+            <a:r>
+              <a:rPr lang="en-US" dirty="0"/>
+              <a:t> </a:t>
+            </a:r>
+            <a:r>
+              <a:rPr lang="en-US" dirty="0" err="1"/>
+              <a:t>Yiu</a:t>
+            </a:r>
+            <a:r>
+              <a:rPr lang="en-US" dirty="0"/>
+              <a:t>, Institute of Electromagnetics, Southwest </a:t>
+            </a:r>
+            <a:r>
+              <a:rPr lang="en-US" dirty="0" err="1"/>
+              <a:t>Jiatong</a:t>
+            </a:r>
+            <a:r>
+              <a:rPr lang="en-US" dirty="0"/>
+              <a:t> University, Chengdu, China.</a:t>
+            </a:r>
+          </a:p>
+          <a:p>
+            <a:pPr lvl="0">
+              <a:buFont typeface="Wingdings" panose="05000000000000000000" pitchFamily="2" charset="2"/>
+              <a:buChar char="Ø"/>
+            </a:pPr>
+            <a:r>
+              <a:rPr lang="en-US" dirty="0"/>
+              <a:t>“Calm hearts, Bad minds”</a:t>
+            </a:r>
+          </a:p>
+          <a:p>
+            <a:pPr marL="0" lvl="0" indent="0">
+              <a:buNone/>
+            </a:pPr>
+            <a:r>
+              <a:rPr lang="en-US" dirty="0"/>
+              <a:t>By David Kohn</a:t>
+            </a:r>
+          </a:p>
+          <a:p>
+            <a:pPr lvl="0">
+              <a:buFont typeface="Wingdings" panose="05000000000000000000" pitchFamily="2" charset="2"/>
+              <a:buChar char="Ø"/>
+            </a:pPr>
+            <a:r>
+              <a:rPr lang="en-US" dirty="0"/>
+              <a:t>“Neuropsychiatry of aggression” </a:t>
+            </a:r>
+          </a:p>
+          <a:p>
+            <a:pPr marL="0" lvl="0" indent="0">
+              <a:buNone/>
+            </a:pPr>
+            <a:r>
+              <a:rPr lang="en-US" dirty="0"/>
+              <a:t>A combined publication of Professor </a:t>
+            </a:r>
+            <a:r>
+              <a:rPr lang="en-US" dirty="0" err="1"/>
+              <a:t>Scott.D</a:t>
+            </a:r>
+            <a:r>
+              <a:rPr lang="en-US" dirty="0"/>
+              <a:t> Lane, Professor Kimberly. L </a:t>
+            </a:r>
+            <a:r>
+              <a:rPr lang="en-US" dirty="0" err="1"/>
+              <a:t>Kjome</a:t>
+            </a:r>
+            <a:r>
+              <a:rPr lang="en-US" dirty="0"/>
+              <a:t> and Professor </a:t>
+            </a:r>
+            <a:r>
+              <a:rPr lang="en-US" dirty="0" err="1"/>
+              <a:t>F.Gerard</a:t>
+            </a:r>
+            <a:r>
+              <a:rPr lang="en-US" dirty="0"/>
+              <a:t> Moeller</a:t>
+            </a:r>
+          </a:p>
+          <a:p>
+            <a:pPr lvl="0">
+              <a:buFont typeface="Wingdings" panose="05000000000000000000" pitchFamily="2" charset="2"/>
+              <a:buChar char="Ø"/>
+            </a:pPr>
+            <a:r>
+              <a:rPr lang="en-US" dirty="0"/>
+              <a:t>“Facial Action Coding System”</a:t>
+            </a:r>
+          </a:p>
+          <a:p>
+            <a:pPr marL="0" lvl="0" indent="0">
+              <a:buNone/>
+            </a:pPr>
+            <a:r>
+              <a:rPr lang="en-US" dirty="0"/>
+              <a:t>A publication by the Paul Ekman Group.</a:t>
+            </a:r>
+          </a:p>
+          <a:p>
+            <a:pPr lvl="0">
+              <a:buFont typeface="Wingdings" panose="05000000000000000000" pitchFamily="2" charset="2"/>
+              <a:buChar char="Ø"/>
+            </a:pPr>
+            <a:r>
+              <a:rPr lang="en-US" dirty="0"/>
+              <a:t>“Local Binary Patterns”</a:t>
+            </a:r>
+          </a:p>
+          <a:p>
+            <a:pPr lvl="0"/>
+            <a:r>
+              <a:rPr lang="en-US" dirty="0"/>
+              <a:t>By </a:t>
+            </a:r>
+            <a:r>
+              <a:rPr lang="en-US" dirty="0" err="1"/>
+              <a:t>Matti</a:t>
+            </a:r>
+            <a:r>
+              <a:rPr lang="en-US" dirty="0"/>
+              <a:t> </a:t>
+            </a:r>
+            <a:r>
+              <a:rPr lang="en-US" dirty="0" err="1"/>
+              <a:t>Pietikainen</a:t>
+            </a:r>
+            <a:r>
+              <a:rPr lang="en-US" dirty="0" smtClean="0"/>
+              <a:t>.        </a:t>
+            </a:r>
+            <a:endParaRPr lang="en-US" dirty="0"/>
+          </a:p>
+        </p:txBody>
+      </p:sp>
+    </p:spTree>
+    <p:extLst>
+      <p:ext uri="{BB962C8B-B14F-4D97-AF65-F5344CB8AC3E}">
+        <p14:creationId xmlns:p14="http://schemas.microsoft.com/office/powerpoint/2010/main" val="4059818863"/>
+      </p:ext>
+    </p:extLst>
+  </p:cSld>
+  <p:clrMapOvr>
+    <a:masterClrMapping/>
+  </p:clrMapOvr>
+  <p:timing>
+    <p:tnLst>
+      <p:par>
+        <p:cTn id="1" dur="indefinite" restart="never" nodeType="tmRoot"/>
+      </p:par>
+    </p:tnLst>
+  </p:timing>
+</p:sld>
+</file>
+
+<file path=ppt/slides/slide19.xml><?xml version="1.0" encoding="utf-8"?>
+<p:sld xmlns:a="http://schemas.openxmlformats.org/drawingml/2006/main" xmlns:r="http://schemas.openxmlformats.org/officeDocument/2006/relationships" xmlns:p="http://schemas.openxmlformats.org/presentationml/2006/main">
+  <p:cSld>
+    <p:spTree>
+      <p:nvGrpSpPr>
+        <p:cNvPr id="1" name=""/>
+        <p:cNvGrpSpPr/>
+        <p:nvPr/>
+      </p:nvGrpSpPr>
+      <p:grpSpPr>
+        <a:xfrm>
+          <a:off x="0" y="0"/>
+          <a:ext cx="0" cy="0"/>
+          <a:chOff x="0" y="0"/>
+          <a:chExt cx="0" cy="0"/>
+        </a:xfrm>
+      </p:grpSpPr>
+      <p:sp>
+        <p:nvSpPr>
+          <p:cNvPr id="2" name="Title 1"/>
+          <p:cNvSpPr>
+            <a:spLocks noGrp="1"/>
+          </p:cNvSpPr>
+          <p:nvPr>
+            <p:ph type="title"/>
+          </p:nvPr>
+        </p:nvSpPr>
+        <p:spPr>
+          <a:xfrm>
+            <a:off x="685801" y="1664044"/>
+            <a:ext cx="10131425" cy="1456267"/>
+          </a:xfrm>
+        </p:spPr>
+        <p:txBody>
+          <a:bodyPr/>
+          <a:lstStyle/>
+          <a:p>
+            <a:pPr algn="ctr"/>
+            <a:r>
               <a:rPr lang="en-US" b="1" i="1" u="sng" dirty="0" smtClean="0">
                 <a:effectLst>
                   <a:outerShdw blurRad="38100" dist="38100" dir="2700000" algn="tl">
@@ -7187,32 +7552,13 @@
       </p:sp>
       <p:sp>
         <p:nvSpPr>
-          <p:cNvPr id="3" name="Content Placeholder 2"/>
-          <p:cNvSpPr>
-            <a:spLocks noGrp="1"/>
-          </p:cNvSpPr>
-          <p:nvPr>
-            <p:ph idx="1"/>
-          </p:nvPr>
-        </p:nvSpPr>
-        <p:spPr/>
-        <p:txBody>
-          <a:bodyPr/>
-          <a:lstStyle/>
-          <a:p>
-            <a:endParaRPr lang="en-US" dirty="0"/>
-          </a:p>
-        </p:txBody>
-      </p:sp>
-      <p:sp>
-        <p:nvSpPr>
           <p:cNvPr id="4" name="Rectangle 3"/>
           <p:cNvSpPr/>
           <p:nvPr/>
         </p:nvSpPr>
         <p:spPr>
           <a:xfrm>
-            <a:off x="3130378" y="3324649"/>
+            <a:off x="4850584" y="3769493"/>
             <a:ext cx="7341416" cy="2031325"/>
           </a:xfrm>
           <a:prstGeom prst="rect">
@@ -7278,7 +7624,7 @@
             </a:r>
             <a:r>
               <a:rPr lang="en-US" dirty="0" smtClean="0"/>
-              <a:t> DK</a:t>
+              <a:t> D.K</a:t>
             </a:r>
           </a:p>
           <a:p>
@@ -7288,11 +7634,7 @@
             </a:r>
             <a:r>
               <a:rPr lang="en-US" dirty="0" smtClean="0"/>
-              <a:t> </a:t>
-            </a:r>
-            <a:r>
-              <a:rPr lang="en-US" dirty="0" err="1" smtClean="0"/>
-              <a:t>Nagendra</a:t>
+              <a:t> N</a:t>
             </a:r>
             <a:endParaRPr lang="en-US" dirty="0"/>
           </a:p>
@@ -7807,18 +8149,42 @@
               <a:t>Instrumental Aggression: They are noticed in people who are determined to </a:t>
             </a:r>
             <a:r>
-              <a:rPr lang="en-US" dirty="0">
+              <a:rPr lang="en-US" dirty="0" smtClean="0">
                 <a:solidFill>
                   <a:schemeClr val="accent5">
                     <a:lumMod val="75000"/>
                   </a:schemeClr>
                 </a:solidFill>
               </a:rPr>
-              <a:t>extremes on their goals</a:t>
-            </a:r>
-            <a:r>
-              <a:rPr lang="en-US" dirty="0"/>
-              <a:t>, but can lead, sometimes to harm’s way.</a:t>
+              <a:t>achieve </a:t>
+            </a:r>
+            <a:r>
+              <a:rPr lang="en-US" dirty="0">
+                <a:solidFill>
+                  <a:schemeClr val="accent5">
+                    <a:lumMod val="75000"/>
+                  </a:schemeClr>
+                </a:solidFill>
+              </a:rPr>
+              <a:t>their </a:t>
+            </a:r>
+            <a:r>
+              <a:rPr lang="en-US" dirty="0" smtClean="0">
+                <a:solidFill>
+                  <a:schemeClr val="accent5">
+                    <a:lumMod val="75000"/>
+                  </a:schemeClr>
+                </a:solidFill>
+              </a:rPr>
+              <a:t>goals at any cost</a:t>
+            </a:r>
+            <a:r>
+              <a:rPr lang="en-US" dirty="0" smtClean="0"/>
+              <a:t>,  </a:t>
+            </a:r>
+            <a:r>
+              <a:rPr lang="en-US" dirty="0"/>
+              <a:t>but can lead, sometimes to harm’s way.</a:t>
             </a:r>
           </a:p>
           <a:p>
@@ -8392,21 +8758,11 @@
             </a:r>
             <a:r>
               <a:rPr lang="en-US" dirty="0"/>
-              <a:t>the patient towards aggressive behavior, they must make sure they let the hospital faculty know about the patient’s medical history</a:t>
+              <a:t>the patient towards aggressive behavior, they must make sure they let the hospital faculty know about the patient’s medical </a:t>
             </a:r>
             <a:r>
               <a:rPr lang="en-US" dirty="0" smtClean="0"/>
-              <a:t>.</a:t>
-            </a:r>
-          </a:p>
-          <a:p>
-            <a:pPr>
-              <a:buFont typeface="Wingdings" panose="05000000000000000000" pitchFamily="2" charset="2"/>
-              <a:buChar char="Ø"/>
-            </a:pPr>
-            <a:r>
-              <a:rPr lang="en-US" dirty="0" smtClean="0"/>
-              <a:t>Will </a:t>
+              <a:t>history. This will </a:t>
             </a:r>
             <a:r>
               <a:rPr lang="en-US" dirty="0"/>
